--- a/MongoDB Relational Queries.pptx
+++ b/MongoDB Relational Queries.pptx
@@ -10,23 +10,19 @@
     <p:sldId id="258" r:id="rId4"/>
     <p:sldId id="259" r:id="rId5"/>
     <p:sldId id="260" r:id="rId6"/>
-    <p:sldId id="261" r:id="rId7"/>
-    <p:sldId id="262" r:id="rId8"/>
-    <p:sldId id="263" r:id="rId9"/>
-    <p:sldId id="264" r:id="rId10"/>
-    <p:sldId id="265" r:id="rId11"/>
-    <p:sldId id="266" r:id="rId12"/>
-    <p:sldId id="267" r:id="rId13"/>
-    <p:sldId id="268" r:id="rId14"/>
-    <p:sldId id="269" r:id="rId15"/>
-    <p:sldId id="270" r:id="rId16"/>
-    <p:sldId id="271" r:id="rId17"/>
-    <p:sldId id="272" r:id="rId18"/>
-    <p:sldId id="273" r:id="rId19"/>
-    <p:sldId id="274" r:id="rId20"/>
-    <p:sldId id="275" r:id="rId21"/>
-    <p:sldId id="276" r:id="rId22"/>
-    <p:sldId id="277" r:id="rId23"/>
+    <p:sldId id="262" r:id="rId7"/>
+    <p:sldId id="264" r:id="rId8"/>
+    <p:sldId id="265" r:id="rId9"/>
+    <p:sldId id="266" r:id="rId10"/>
+    <p:sldId id="267" r:id="rId11"/>
+    <p:sldId id="268" r:id="rId12"/>
+    <p:sldId id="269" r:id="rId13"/>
+    <p:sldId id="270" r:id="rId14"/>
+    <p:sldId id="271" r:id="rId15"/>
+    <p:sldId id="272" r:id="rId16"/>
+    <p:sldId id="273" r:id="rId17"/>
+    <p:sldId id="275" r:id="rId18"/>
+    <p:sldId id="276" r:id="rId19"/>
   </p:sldIdLst>
   <p:sldSz cx="9144000" cy="6858000" type="screen4x3"/>
   <p:notesSz cx="6858000" cy="9144000"/>
@@ -6387,7 +6383,7 @@
           <a:p>
             <a:r>
               <a:rPr lang="en-IN" dirty="0" smtClean="0"/>
-              <a:t>One-to-many(Thread-Answers) relationship</a:t>
+              <a:t>Many-to-many (books-authors) relationship</a:t>
             </a:r>
             <a:endParaRPr lang="en-US" dirty="0"/>
           </a:p>
@@ -6395,7 +6391,7 @@
       </p:sp>
       <p:pic>
         <p:nvPicPr>
-          <p:cNvPr id="4" name="Content Placeholder 3" descr="9.PNG"/>
+          <p:cNvPr id="4" name="Content Placeholder 3" descr="11.PNG"/>
           <p:cNvPicPr>
             <a:picLocks noGrp="1" noChangeAspect="1"/>
           </p:cNvPicPr>
@@ -6411,8 +6407,8 @@
         </p:blipFill>
         <p:spPr>
           <a:xfrm>
-            <a:off x="827088" y="3186348"/>
-            <a:ext cx="6711950" cy="1928341"/>
+            <a:off x="827088" y="2768873"/>
+            <a:ext cx="6711950" cy="2763291"/>
           </a:xfrm>
         </p:spPr>
       </p:pic>
@@ -6441,32 +6437,9 @@
           <a:chExt cx="0" cy="0"/>
         </a:xfrm>
       </p:grpSpPr>
-      <p:sp>
-        <p:nvSpPr>
-          <p:cNvPr id="2" name="Title 1"/>
-          <p:cNvSpPr>
-            <a:spLocks noGrp="1"/>
-          </p:cNvSpPr>
-          <p:nvPr>
-            <p:ph type="title"/>
-          </p:nvPr>
-        </p:nvSpPr>
-        <p:spPr/>
-        <p:txBody>
-          <a:bodyPr/>
-          <a:lstStyle/>
-          <a:p>
-            <a:r>
-              <a:rPr lang="en-IN" dirty="0" smtClean="0"/>
-              <a:t>One-to-many with references</a:t>
-            </a:r>
-            <a:endParaRPr lang="en-US" dirty="0"/>
-          </a:p>
-        </p:txBody>
-      </p:sp>
       <p:pic>
         <p:nvPicPr>
-          <p:cNvPr id="4" name="Content Placeholder 3" descr="10.PNG"/>
+          <p:cNvPr id="4" name="Content Placeholder 3" descr="12.PNG"/>
           <p:cNvPicPr>
             <a:picLocks noGrp="1" noChangeAspect="1"/>
           </p:cNvPicPr>
@@ -6482,8 +6455,8 @@
         </p:blipFill>
         <p:spPr>
           <a:xfrm>
-            <a:off x="827088" y="2908611"/>
-            <a:ext cx="6711950" cy="2483816"/>
+            <a:off x="827088" y="2708920"/>
+            <a:ext cx="7633344" cy="2224659"/>
           </a:xfrm>
         </p:spPr>
       </p:pic>
@@ -6512,34 +6485,9 @@
           <a:chExt cx="0" cy="0"/>
         </a:xfrm>
       </p:grpSpPr>
-      <p:sp>
-        <p:nvSpPr>
-          <p:cNvPr id="2" name="Title 1"/>
-          <p:cNvSpPr>
-            <a:spLocks noGrp="1"/>
-          </p:cNvSpPr>
-          <p:nvPr>
-            <p:ph type="title"/>
-          </p:nvPr>
-        </p:nvSpPr>
-        <p:spPr/>
-        <p:txBody>
-          <a:bodyPr>
-            <a:normAutofit/>
-          </a:bodyPr>
-          <a:lstStyle/>
-          <a:p>
-            <a:r>
-              <a:rPr lang="en-IN" dirty="0" smtClean="0"/>
-              <a:t>Many-to-many (books-authors) relationship</a:t>
-            </a:r>
-            <a:endParaRPr lang="en-US" dirty="0"/>
-          </a:p>
-        </p:txBody>
-      </p:sp>
       <p:pic>
         <p:nvPicPr>
-          <p:cNvPr id="4" name="Content Placeholder 3" descr="11.PNG"/>
+          <p:cNvPr id="4" name="Content Placeholder 3" descr="13.PNG"/>
           <p:cNvPicPr>
             <a:picLocks noGrp="1" noChangeAspect="1"/>
           </p:cNvPicPr>
@@ -6555,8 +6503,8 @@
         </p:blipFill>
         <p:spPr>
           <a:xfrm>
-            <a:off x="827088" y="2768873"/>
-            <a:ext cx="6711950" cy="2763291"/>
+            <a:off x="827088" y="2348880"/>
+            <a:ext cx="7633344" cy="3014599"/>
           </a:xfrm>
         </p:spPr>
       </p:pic>
@@ -6585,9 +6533,32 @@
           <a:chExt cx="0" cy="0"/>
         </a:xfrm>
       </p:grpSpPr>
+      <p:sp>
+        <p:nvSpPr>
+          <p:cNvPr id="2" name="Title 1"/>
+          <p:cNvSpPr>
+            <a:spLocks noGrp="1"/>
+          </p:cNvSpPr>
+          <p:nvPr>
+            <p:ph type="title"/>
+          </p:nvPr>
+        </p:nvSpPr>
+        <p:spPr/>
+        <p:txBody>
+          <a:bodyPr/>
+          <a:lstStyle/>
+          <a:p>
+            <a:r>
+              <a:rPr lang="en-IN" dirty="0" smtClean="0"/>
+              <a:t>Joining two tables with lookup</a:t>
+            </a:r>
+            <a:endParaRPr lang="en-US" dirty="0"/>
+          </a:p>
+        </p:txBody>
+      </p:sp>
       <p:pic>
         <p:nvPicPr>
-          <p:cNvPr id="4" name="Content Placeholder 3" descr="12.PNG"/>
+          <p:cNvPr id="4" name="Content Placeholder 3" descr="14.PNG"/>
           <p:cNvPicPr>
             <a:picLocks noGrp="1" noChangeAspect="1"/>
           </p:cNvPicPr>
@@ -6603,8 +6574,8 @@
         </p:blipFill>
         <p:spPr>
           <a:xfrm>
-            <a:off x="827088" y="2708920"/>
-            <a:ext cx="7633344" cy="2224659"/>
+            <a:off x="827088" y="2370171"/>
+            <a:ext cx="6711950" cy="3560696"/>
           </a:xfrm>
         </p:spPr>
       </p:pic>
@@ -6635,7 +6606,7 @@
       </p:grpSpPr>
       <p:pic>
         <p:nvPicPr>
-          <p:cNvPr id="4" name="Content Placeholder 3" descr="13.PNG"/>
+          <p:cNvPr id="4" name="Content Placeholder 3" descr="15.PNG"/>
           <p:cNvPicPr>
             <a:picLocks noGrp="1" noChangeAspect="1"/>
           </p:cNvPicPr>
@@ -6651,8 +6622,8 @@
         </p:blipFill>
         <p:spPr>
           <a:xfrm>
-            <a:off x="827088" y="2348880"/>
-            <a:ext cx="7633344" cy="3014599"/>
+            <a:off x="1699314" y="2052638"/>
+            <a:ext cx="4967497" cy="4195762"/>
           </a:xfrm>
         </p:spPr>
       </p:pic>
@@ -6697,8 +6668,12 @@
           <a:lstStyle/>
           <a:p>
             <a:r>
+              <a:rPr lang="en-IN" dirty="0" err="1" smtClean="0"/>
+              <a:t>createCollection</a:t>
+            </a:r>
+            <a:r>
               <a:rPr lang="en-IN" dirty="0" smtClean="0"/>
-              <a:t>Joining two tables with lookup</a:t>
+              <a:t> schema</a:t>
             </a:r>
             <a:endParaRPr lang="en-US" dirty="0"/>
           </a:p>
@@ -6706,7 +6681,7 @@
       </p:sp>
       <p:pic>
         <p:nvPicPr>
-          <p:cNvPr id="4" name="Content Placeholder 3" descr="14.PNG"/>
+          <p:cNvPr id="4" name="Content Placeholder 3" descr="16.PNG"/>
           <p:cNvPicPr>
             <a:picLocks noGrp="1" noChangeAspect="1"/>
           </p:cNvPicPr>
@@ -6722,8 +6697,8 @@
         </p:blipFill>
         <p:spPr>
           <a:xfrm>
-            <a:off x="827088" y="2370171"/>
-            <a:ext cx="6711950" cy="3560696"/>
+            <a:off x="1752463" y="2052638"/>
+            <a:ext cx="4861200" cy="4195762"/>
           </a:xfrm>
         </p:spPr>
       </p:pic>
@@ -6752,9 +6727,36 @@
           <a:chExt cx="0" cy="0"/>
         </a:xfrm>
       </p:grpSpPr>
+      <p:sp>
+        <p:nvSpPr>
+          <p:cNvPr id="2" name="Title 1"/>
+          <p:cNvSpPr>
+            <a:spLocks noGrp="1"/>
+          </p:cNvSpPr>
+          <p:nvPr>
+            <p:ph type="title"/>
+          </p:nvPr>
+        </p:nvSpPr>
+        <p:spPr/>
+        <p:txBody>
+          <a:bodyPr/>
+          <a:lstStyle/>
+          <a:p>
+            <a:r>
+              <a:rPr lang="en-IN" dirty="0"/>
+              <a:t>H</a:t>
+            </a:r>
+            <a:r>
+              <a:rPr lang="en-IN" dirty="0" smtClean="0"/>
+              <a:t>elp</a:t>
+            </a:r>
+            <a:endParaRPr lang="en-US" dirty="0"/>
+          </a:p>
+        </p:txBody>
+      </p:sp>
       <p:pic>
         <p:nvPicPr>
-          <p:cNvPr id="4" name="Content Placeholder 3" descr="15.PNG"/>
+          <p:cNvPr id="4" name="Content Placeholder 3" descr="17.PNG"/>
           <p:cNvPicPr>
             <a:picLocks noGrp="1" noChangeAspect="1"/>
           </p:cNvPicPr>
@@ -6770,8 +6772,8 @@
         </p:blipFill>
         <p:spPr>
           <a:xfrm>
-            <a:off x="1699314" y="2052638"/>
-            <a:ext cx="4967497" cy="4195762"/>
+            <a:off x="827088" y="2607948"/>
+            <a:ext cx="6711950" cy="3085141"/>
           </a:xfrm>
         </p:spPr>
       </p:pic>
@@ -6816,12 +6818,8 @@
           <a:lstStyle/>
           <a:p>
             <a:r>
-              <a:rPr lang="en-IN" dirty="0" err="1" smtClean="0"/>
-              <a:t>createCollection</a:t>
-            </a:r>
-            <a:r>
               <a:rPr lang="en-IN" dirty="0" smtClean="0"/>
-              <a:t> schema</a:t>
+              <a:t>DB Collection help</a:t>
             </a:r>
             <a:endParaRPr lang="en-US" dirty="0"/>
           </a:p>
@@ -6829,7 +6827,7 @@
       </p:sp>
       <p:pic>
         <p:nvPicPr>
-          <p:cNvPr id="4" name="Content Placeholder 3" descr="16.PNG"/>
+          <p:cNvPr id="4" name="Content Placeholder 3" descr="19.PNG"/>
           <p:cNvPicPr>
             <a:picLocks noGrp="1" noChangeAspect="1"/>
           </p:cNvPicPr>
@@ -6845,8 +6843,8 @@
         </p:blipFill>
         <p:spPr>
           <a:xfrm>
-            <a:off x="1752463" y="2052638"/>
-            <a:ext cx="4861200" cy="4195762"/>
+            <a:off x="827088" y="2666501"/>
+            <a:ext cx="6711950" cy="2968036"/>
           </a:xfrm>
         </p:spPr>
       </p:pic>
@@ -6891,8 +6889,16 @@
           <a:lstStyle/>
           <a:p>
             <a:r>
+              <a:rPr lang="en-IN" dirty="0" err="1"/>
+              <a:t>d</a:t>
+            </a:r>
+            <a:r>
+              <a:rPr lang="en-IN" dirty="0" err="1" smtClean="0"/>
+              <a:t>b.help</a:t>
+            </a:r>
+            <a:r>
               <a:rPr lang="en-IN" dirty="0" smtClean="0"/>
-              <a:t>help</a:t>
+              <a:t>()</a:t>
             </a:r>
             <a:endParaRPr lang="en-US" dirty="0"/>
           </a:p>
@@ -6900,7 +6906,7 @@
       </p:sp>
       <p:pic>
         <p:nvPicPr>
-          <p:cNvPr id="4" name="Content Placeholder 3" descr="17.PNG"/>
+          <p:cNvPr id="4" name="Content Placeholder 3" descr="20.PNG"/>
           <p:cNvPicPr>
             <a:picLocks noGrp="1" noChangeAspect="1"/>
           </p:cNvPicPr>
@@ -6916,79 +6922,8 @@
         </p:blipFill>
         <p:spPr>
           <a:xfrm>
-            <a:off x="827088" y="2607948"/>
-            <a:ext cx="6711950" cy="3085141"/>
-          </a:xfrm>
-        </p:spPr>
-      </p:pic>
-    </p:spTree>
-  </p:cSld>
-  <p:clrMapOvr>
-    <a:masterClrMapping/>
-  </p:clrMapOvr>
-</p:sld>
-</file>
-
-<file path=ppt/slides/slide19.xml><?xml version="1.0" encoding="utf-8"?>
-<p:sld xmlns:a="http://schemas.openxmlformats.org/drawingml/2006/main" xmlns:r="http://schemas.openxmlformats.org/officeDocument/2006/relationships" xmlns:p="http://schemas.openxmlformats.org/presentationml/2006/main">
-  <p:cSld>
-    <p:spTree>
-      <p:nvGrpSpPr>
-        <p:cNvPr id="1" name=""/>
-        <p:cNvGrpSpPr/>
-        <p:nvPr/>
-      </p:nvGrpSpPr>
-      <p:grpSpPr>
-        <a:xfrm>
-          <a:off x="0" y="0"/>
-          <a:ext cx="0" cy="0"/>
-          <a:chOff x="0" y="0"/>
-          <a:chExt cx="0" cy="0"/>
-        </a:xfrm>
-      </p:grpSpPr>
-      <p:sp>
-        <p:nvSpPr>
-          <p:cNvPr id="2" name="Title 1"/>
-          <p:cNvSpPr>
-            <a:spLocks noGrp="1"/>
-          </p:cNvSpPr>
-          <p:nvPr>
-            <p:ph type="title"/>
-          </p:nvPr>
-        </p:nvSpPr>
-        <p:spPr/>
-        <p:txBody>
-          <a:bodyPr/>
-          <a:lstStyle/>
-          <a:p>
-            <a:r>
-              <a:rPr lang="en-IN" dirty="0" smtClean="0"/>
-              <a:t>Showing all the db collections</a:t>
-            </a:r>
-            <a:endParaRPr lang="en-US" dirty="0"/>
-          </a:p>
-        </p:txBody>
-      </p:sp>
-      <p:pic>
-        <p:nvPicPr>
-          <p:cNvPr id="4" name="Content Placeholder 3" descr="18.PNG"/>
-          <p:cNvPicPr>
-            <a:picLocks noGrp="1" noChangeAspect="1"/>
-          </p:cNvPicPr>
-          <p:nvPr>
-            <p:ph idx="1"/>
-          </p:nvPr>
-        </p:nvPicPr>
-        <p:blipFill>
-          <a:blip r:embed="rId2" cstate="print"/>
-          <a:stretch>
-            <a:fillRect/>
-          </a:stretch>
-        </p:blipFill>
-        <p:spPr>
-          <a:xfrm>
-            <a:off x="2768403" y="3221702"/>
-            <a:ext cx="2829320" cy="1857634"/>
+            <a:off x="827088" y="2486873"/>
+            <a:ext cx="6711950" cy="3327291"/>
           </a:xfrm>
         </p:spPr>
       </p:pic>
@@ -7034,7 +6969,7 @@
           <a:p>
             <a:r>
               <a:rPr lang="en-IN" dirty="0" smtClean="0"/>
-              <a:t>Fetch the Statistics of db</a:t>
+              <a:t>Statistics of database before insertion of documents</a:t>
             </a:r>
             <a:endParaRPr lang="en-US" dirty="0"/>
           </a:p>
@@ -7058,221 +6993,8 @@
         </p:blipFill>
         <p:spPr>
           <a:xfrm>
-            <a:off x="2577876" y="2578674"/>
+            <a:off x="3203848" y="2924944"/>
             <a:ext cx="3210373" cy="3143689"/>
-          </a:xfrm>
-        </p:spPr>
-      </p:pic>
-    </p:spTree>
-  </p:cSld>
-  <p:clrMapOvr>
-    <a:masterClrMapping/>
-  </p:clrMapOvr>
-</p:sld>
-</file>
-
-<file path=ppt/slides/slide20.xml><?xml version="1.0" encoding="utf-8"?>
-<p:sld xmlns:a="http://schemas.openxmlformats.org/drawingml/2006/main" xmlns:r="http://schemas.openxmlformats.org/officeDocument/2006/relationships" xmlns:p="http://schemas.openxmlformats.org/presentationml/2006/main">
-  <p:cSld>
-    <p:spTree>
-      <p:nvGrpSpPr>
-        <p:cNvPr id="1" name=""/>
-        <p:cNvGrpSpPr/>
-        <p:nvPr/>
-      </p:nvGrpSpPr>
-      <p:grpSpPr>
-        <a:xfrm>
-          <a:off x="0" y="0"/>
-          <a:ext cx="0" cy="0"/>
-          <a:chOff x="0" y="0"/>
-          <a:chExt cx="0" cy="0"/>
-        </a:xfrm>
-      </p:grpSpPr>
-      <p:sp>
-        <p:nvSpPr>
-          <p:cNvPr id="2" name="Title 1"/>
-          <p:cNvSpPr>
-            <a:spLocks noGrp="1"/>
-          </p:cNvSpPr>
-          <p:nvPr>
-            <p:ph type="title"/>
-          </p:nvPr>
-        </p:nvSpPr>
-        <p:spPr/>
-        <p:txBody>
-          <a:bodyPr/>
-          <a:lstStyle/>
-          <a:p>
-            <a:r>
-              <a:rPr lang="en-IN" dirty="0" smtClean="0"/>
-              <a:t>DB Collection help</a:t>
-            </a:r>
-            <a:endParaRPr lang="en-US" dirty="0"/>
-          </a:p>
-        </p:txBody>
-      </p:sp>
-      <p:pic>
-        <p:nvPicPr>
-          <p:cNvPr id="4" name="Content Placeholder 3" descr="19.PNG"/>
-          <p:cNvPicPr>
-            <a:picLocks noGrp="1" noChangeAspect="1"/>
-          </p:cNvPicPr>
-          <p:nvPr>
-            <p:ph idx="1"/>
-          </p:nvPr>
-        </p:nvPicPr>
-        <p:blipFill>
-          <a:blip r:embed="rId2" cstate="print"/>
-          <a:stretch>
-            <a:fillRect/>
-          </a:stretch>
-        </p:blipFill>
-        <p:spPr>
-          <a:xfrm>
-            <a:off x="827088" y="2666501"/>
-            <a:ext cx="6711950" cy="2968036"/>
-          </a:xfrm>
-        </p:spPr>
-      </p:pic>
-    </p:spTree>
-  </p:cSld>
-  <p:clrMapOvr>
-    <a:masterClrMapping/>
-  </p:clrMapOvr>
-</p:sld>
-</file>
-
-<file path=ppt/slides/slide21.xml><?xml version="1.0" encoding="utf-8"?>
-<p:sld xmlns:a="http://schemas.openxmlformats.org/drawingml/2006/main" xmlns:r="http://schemas.openxmlformats.org/officeDocument/2006/relationships" xmlns:p="http://schemas.openxmlformats.org/presentationml/2006/main">
-  <p:cSld>
-    <p:spTree>
-      <p:nvGrpSpPr>
-        <p:cNvPr id="1" name=""/>
-        <p:cNvGrpSpPr/>
-        <p:nvPr/>
-      </p:nvGrpSpPr>
-      <p:grpSpPr>
-        <a:xfrm>
-          <a:off x="0" y="0"/>
-          <a:ext cx="0" cy="0"/>
-          <a:chOff x="0" y="0"/>
-          <a:chExt cx="0" cy="0"/>
-        </a:xfrm>
-      </p:grpSpPr>
-      <p:sp>
-        <p:nvSpPr>
-          <p:cNvPr id="2" name="Title 1"/>
-          <p:cNvSpPr>
-            <a:spLocks noGrp="1"/>
-          </p:cNvSpPr>
-          <p:nvPr>
-            <p:ph type="title"/>
-          </p:nvPr>
-        </p:nvSpPr>
-        <p:spPr/>
-        <p:txBody>
-          <a:bodyPr/>
-          <a:lstStyle/>
-          <a:p>
-            <a:r>
-              <a:rPr lang="en-IN" dirty="0" smtClean="0"/>
-              <a:t>DB methods</a:t>
-            </a:r>
-            <a:endParaRPr lang="en-US" dirty="0"/>
-          </a:p>
-        </p:txBody>
-      </p:sp>
-      <p:pic>
-        <p:nvPicPr>
-          <p:cNvPr id="4" name="Content Placeholder 3" descr="20.PNG"/>
-          <p:cNvPicPr>
-            <a:picLocks noGrp="1" noChangeAspect="1"/>
-          </p:cNvPicPr>
-          <p:nvPr>
-            <p:ph idx="1"/>
-          </p:nvPr>
-        </p:nvPicPr>
-        <p:blipFill>
-          <a:blip r:embed="rId2" cstate="print"/>
-          <a:stretch>
-            <a:fillRect/>
-          </a:stretch>
-        </p:blipFill>
-        <p:spPr>
-          <a:xfrm>
-            <a:off x="827088" y="2486873"/>
-            <a:ext cx="6711950" cy="3327291"/>
-          </a:xfrm>
-        </p:spPr>
-      </p:pic>
-    </p:spTree>
-  </p:cSld>
-  <p:clrMapOvr>
-    <a:masterClrMapping/>
-  </p:clrMapOvr>
-</p:sld>
-</file>
-
-<file path=ppt/slides/slide22.xml><?xml version="1.0" encoding="utf-8"?>
-<p:sld xmlns:a="http://schemas.openxmlformats.org/drawingml/2006/main" xmlns:r="http://schemas.openxmlformats.org/officeDocument/2006/relationships" xmlns:p="http://schemas.openxmlformats.org/presentationml/2006/main">
-  <p:cSld>
-    <p:spTree>
-      <p:nvGrpSpPr>
-        <p:cNvPr id="1" name=""/>
-        <p:cNvGrpSpPr/>
-        <p:nvPr/>
-      </p:nvGrpSpPr>
-      <p:grpSpPr>
-        <a:xfrm>
-          <a:off x="0" y="0"/>
-          <a:ext cx="0" cy="0"/>
-          <a:chOff x="0" y="0"/>
-          <a:chExt cx="0" cy="0"/>
-        </a:xfrm>
-      </p:grpSpPr>
-      <p:sp>
-        <p:nvSpPr>
-          <p:cNvPr id="2" name="Title 1"/>
-          <p:cNvSpPr>
-            <a:spLocks noGrp="1"/>
-          </p:cNvSpPr>
-          <p:nvPr>
-            <p:ph type="title"/>
-          </p:nvPr>
-        </p:nvSpPr>
-        <p:spPr/>
-        <p:txBody>
-          <a:bodyPr/>
-          <a:lstStyle/>
-          <a:p>
-            <a:r>
-              <a:rPr lang="en-IN" dirty="0" smtClean="0"/>
-              <a:t>Admin help</a:t>
-            </a:r>
-            <a:endParaRPr lang="en-US" dirty="0"/>
-          </a:p>
-        </p:txBody>
-      </p:sp>
-      <p:pic>
-        <p:nvPicPr>
-          <p:cNvPr id="4" name="Content Placeholder 3" descr="21.PNG"/>
-          <p:cNvPicPr>
-            <a:picLocks noGrp="1" noChangeAspect="1"/>
-          </p:cNvPicPr>
-          <p:nvPr>
-            <p:ph idx="1"/>
-          </p:nvPr>
-        </p:nvPicPr>
-        <p:blipFill>
-          <a:blip r:embed="rId2" cstate="print"/>
-          <a:stretch>
-            <a:fillRect/>
-          </a:stretch>
-        </p:blipFill>
-        <p:spPr>
-          <a:xfrm>
-            <a:off x="827088" y="2742716"/>
-            <a:ext cx="6711950" cy="2815606"/>
           </a:xfrm>
         </p:spPr>
       </p:pic>
@@ -7318,7 +7040,7 @@
           <a:p>
             <a:r>
               <a:rPr lang="en-IN" dirty="0" smtClean="0"/>
-              <a:t>Dropping the </a:t>
+              <a:t>Dropping  </a:t>
             </a:r>
             <a:r>
               <a:rPr lang="en-IN" dirty="0"/>
@@ -7399,7 +7121,7 @@
           <a:p>
             <a:r>
               <a:rPr lang="en-IN" dirty="0" smtClean="0"/>
-              <a:t>Inserting the data and checking in db statistics</a:t>
+              <a:t>Data insertion and checking in db statistics</a:t>
             </a:r>
             <a:endParaRPr lang="en-US" dirty="0"/>
           </a:p>
@@ -7470,7 +7192,11 @@
           <a:p>
             <a:r>
               <a:rPr lang="en-IN" dirty="0" smtClean="0"/>
-              <a:t>Finding the </a:t>
+              <a:t>Displaying </a:t>
+            </a:r>
+            <a:r>
+              <a:rPr lang="en-IN" dirty="0" smtClean="0"/>
+              <a:t>the </a:t>
             </a:r>
             <a:r>
               <a:rPr lang="en-IN" dirty="0" err="1" smtClean="0"/>
@@ -7544,14 +7270,12 @@
         </p:nvSpPr>
         <p:spPr/>
         <p:txBody>
-          <a:bodyPr>
-            <a:normAutofit/>
-          </a:bodyPr>
+          <a:bodyPr/>
           <a:lstStyle/>
           <a:p>
             <a:r>
               <a:rPr lang="en-IN" dirty="0" smtClean="0"/>
-              <a:t>Assigning null value to document field</a:t>
+              <a:t>Patient-disease Relationship</a:t>
             </a:r>
             <a:endParaRPr lang="en-US" dirty="0"/>
           </a:p>
@@ -7559,7 +7283,7 @@
       </p:sp>
       <p:pic>
         <p:nvPicPr>
-          <p:cNvPr id="4" name="Content Placeholder 3" descr="5.PNG"/>
+          <p:cNvPr id="4" name="Content Placeholder 3" descr="6.PNG"/>
           <p:cNvPicPr>
             <a:picLocks noGrp="1" noChangeAspect="1"/>
           </p:cNvPicPr>
@@ -7575,8 +7299,8 @@
         </p:blipFill>
         <p:spPr>
           <a:xfrm>
-            <a:off x="1444243" y="3121675"/>
-            <a:ext cx="5477639" cy="2057687"/>
+            <a:off x="827088" y="3384379"/>
+            <a:ext cx="6711950" cy="1532280"/>
           </a:xfrm>
         </p:spPr>
       </p:pic>
@@ -7617,12 +7341,14 @@
         </p:nvSpPr>
         <p:spPr/>
         <p:txBody>
-          <a:bodyPr/>
+          <a:bodyPr>
+            <a:normAutofit/>
+          </a:bodyPr>
           <a:lstStyle/>
           <a:p>
             <a:r>
               <a:rPr lang="en-IN" dirty="0" smtClean="0"/>
-              <a:t>Patient-disease relationship</a:t>
+              <a:t>One-to-one (person-car) relationship</a:t>
             </a:r>
             <a:endParaRPr lang="en-US" dirty="0"/>
           </a:p>
@@ -7630,7 +7356,7 @@
       </p:sp>
       <p:pic>
         <p:nvPicPr>
-          <p:cNvPr id="4" name="Content Placeholder 3" descr="6.PNG"/>
+          <p:cNvPr id="4" name="Content Placeholder 3" descr="8.PNG"/>
           <p:cNvPicPr>
             <a:picLocks noGrp="1" noChangeAspect="1"/>
           </p:cNvPicPr>
@@ -7646,8 +7372,8 @@
         </p:blipFill>
         <p:spPr>
           <a:xfrm>
-            <a:off x="827088" y="3384379"/>
-            <a:ext cx="6711950" cy="1532280"/>
+            <a:off x="1628845" y="2052638"/>
+            <a:ext cx="5108435" cy="4195762"/>
           </a:xfrm>
         </p:spPr>
       </p:pic>
@@ -7688,12 +7414,14 @@
         </p:nvSpPr>
         <p:spPr/>
         <p:txBody>
-          <a:bodyPr/>
+          <a:bodyPr>
+            <a:normAutofit/>
+          </a:bodyPr>
           <a:lstStyle/>
           <a:p>
             <a:r>
               <a:rPr lang="en-IN" dirty="0" smtClean="0"/>
-              <a:t>Using a variable to store data</a:t>
+              <a:t>One-to-many(Thread-Answers) relationship</a:t>
             </a:r>
             <a:endParaRPr lang="en-US" dirty="0"/>
           </a:p>
@@ -7701,7 +7429,7 @@
       </p:sp>
       <p:pic>
         <p:nvPicPr>
-          <p:cNvPr id="4" name="Content Placeholder 3" descr="7.PNG"/>
+          <p:cNvPr id="4" name="Content Placeholder 3" descr="9.PNG"/>
           <p:cNvPicPr>
             <a:picLocks noGrp="1" noChangeAspect="1"/>
           </p:cNvPicPr>
@@ -7717,8 +7445,8 @@
         </p:blipFill>
         <p:spPr>
           <a:xfrm>
-            <a:off x="939348" y="3369360"/>
-            <a:ext cx="6487430" cy="1562318"/>
+            <a:off x="827088" y="3186348"/>
+            <a:ext cx="6711950" cy="1928341"/>
           </a:xfrm>
         </p:spPr>
       </p:pic>
@@ -7759,14 +7487,12 @@
         </p:nvSpPr>
         <p:spPr/>
         <p:txBody>
-          <a:bodyPr>
-            <a:normAutofit/>
-          </a:bodyPr>
+          <a:bodyPr/>
           <a:lstStyle/>
           <a:p>
             <a:r>
               <a:rPr lang="en-IN" dirty="0" smtClean="0"/>
-              <a:t>One-to-one (person-car) relationship</a:t>
+              <a:t>One-to-many with references</a:t>
             </a:r>
             <a:endParaRPr lang="en-US" dirty="0"/>
           </a:p>
@@ -7774,7 +7500,7 @@
       </p:sp>
       <p:pic>
         <p:nvPicPr>
-          <p:cNvPr id="4" name="Content Placeholder 3" descr="8.PNG"/>
+          <p:cNvPr id="4" name="Content Placeholder 3" descr="10.PNG"/>
           <p:cNvPicPr>
             <a:picLocks noGrp="1" noChangeAspect="1"/>
           </p:cNvPicPr>
@@ -7790,8 +7516,8 @@
         </p:blipFill>
         <p:spPr>
           <a:xfrm>
-            <a:off x="1628845" y="2052638"/>
-            <a:ext cx="5108435" cy="4195762"/>
+            <a:off x="827088" y="2908611"/>
+            <a:ext cx="6711950" cy="2483816"/>
           </a:xfrm>
         </p:spPr>
       </p:pic>
